--- a/Resume And Portfolio/프로젝트 수행 결과.pptx
+++ b/Resume And Portfolio/프로젝트 수행 결과.pptx
@@ -2683,36 +2683,6 @@
           </a:p>
         </p:txBody>
       </p:sp>
-      <p:pic>
-        <p:nvPicPr>
-          <p:cNvPr id="3" name="그림 2">
-            <a:extLst>
-              <a:ext uri="{FF2B5EF4-FFF2-40B4-BE49-F238E27FC236}">
-                <a16:creationId xmlns:a16="http://schemas.microsoft.com/office/drawing/2014/main" id="{71C3DA5D-3C06-4491-84D8-4D1923823B1A}"/>
-              </a:ext>
-            </a:extLst>
-          </p:cNvPr>
-          <p:cNvPicPr>
-            <a:picLocks noChangeAspect="1"/>
-          </p:cNvPicPr>
-          <p:nvPr/>
-        </p:nvPicPr>
-        <p:blipFill>
-          <a:blip r:embed="rId2"/>
-          <a:stretch>
-            <a:fillRect/>
-          </a:stretch>
-        </p:blipFill>
-        <p:spPr>
-          <a:xfrm>
-            <a:off x="0" y="1000572"/>
-            <a:ext cx="12192000" cy="5845993"/>
-          </a:xfrm>
-          <a:prstGeom prst="rect">
-            <a:avLst/>
-          </a:prstGeom>
-        </p:spPr>
-      </p:pic>
       <p:sp>
         <p:nvSpPr>
           <p:cNvPr id="4" name="TextBox 3">
@@ -2757,6 +2727,30 @@
           </a:p>
         </p:txBody>
       </p:sp>
+      <p:pic>
+        <p:nvPicPr>
+          <p:cNvPr id="2" name="그림 1"/>
+          <p:cNvPicPr>
+            <a:picLocks noChangeAspect="1"/>
+          </p:cNvPicPr>
+          <p:nvPr/>
+        </p:nvPicPr>
+        <p:blipFill>
+          <a:blip r:embed="rId2"/>
+          <a:stretch>
+            <a:fillRect/>
+          </a:stretch>
+        </p:blipFill>
+        <p:spPr>
+          <a:xfrm>
+            <a:off x="3326896" y="1000572"/>
+            <a:ext cx="5222056" cy="5472207"/>
+          </a:xfrm>
+          <a:prstGeom prst="rect">
+            <a:avLst/>
+          </a:prstGeom>
+        </p:spPr>
+      </p:pic>
     </p:spTree>
     <p:extLst>
       <p:ext uri="{BB962C8B-B14F-4D97-AF65-F5344CB8AC3E}">
@@ -3198,6 +3192,30 @@
           </a:p>
         </p:txBody>
       </p:sp>
+      <p:pic>
+        <p:nvPicPr>
+          <p:cNvPr id="2" name="그림 1"/>
+          <p:cNvPicPr>
+            <a:picLocks noChangeAspect="1"/>
+          </p:cNvPicPr>
+          <p:nvPr/>
+        </p:nvPicPr>
+        <p:blipFill>
+          <a:blip r:embed="rId2"/>
+          <a:stretch>
+            <a:fillRect/>
+          </a:stretch>
+        </p:blipFill>
+        <p:spPr>
+          <a:xfrm>
+            <a:off x="2171564" y="1484784"/>
+            <a:ext cx="7459116" cy="4163006"/>
+          </a:xfrm>
+          <a:prstGeom prst="rect">
+            <a:avLst/>
+          </a:prstGeom>
+        </p:spPr>
+      </p:pic>
     </p:spTree>
     <p:extLst>
       <p:ext uri="{BB962C8B-B14F-4D97-AF65-F5344CB8AC3E}">
@@ -3647,6 +3665,30 @@
           </a:p>
         </p:txBody>
       </p:sp>
+      <p:pic>
+        <p:nvPicPr>
+          <p:cNvPr id="2" name="그림 1"/>
+          <p:cNvPicPr>
+            <a:picLocks noChangeAspect="1"/>
+          </p:cNvPicPr>
+          <p:nvPr/>
+        </p:nvPicPr>
+        <p:blipFill>
+          <a:blip r:embed="rId2"/>
+          <a:stretch>
+            <a:fillRect/>
+          </a:stretch>
+        </p:blipFill>
+        <p:spPr>
+          <a:xfrm>
+            <a:off x="2027548" y="1628800"/>
+            <a:ext cx="7744906" cy="3972479"/>
+          </a:xfrm>
+          <a:prstGeom prst="rect">
+            <a:avLst/>
+          </a:prstGeom>
+        </p:spPr>
+      </p:pic>
     </p:spTree>
     <p:extLst>
       <p:ext uri="{BB962C8B-B14F-4D97-AF65-F5344CB8AC3E}">
@@ -4088,6 +4130,30 @@
           </a:p>
         </p:txBody>
       </p:sp>
+      <p:pic>
+        <p:nvPicPr>
+          <p:cNvPr id="2" name="그림 1"/>
+          <p:cNvPicPr>
+            <a:picLocks noChangeAspect="1"/>
+          </p:cNvPicPr>
+          <p:nvPr/>
+        </p:nvPicPr>
+        <p:blipFill>
+          <a:blip r:embed="rId2"/>
+          <a:stretch>
+            <a:fillRect/>
+          </a:stretch>
+        </p:blipFill>
+        <p:spPr>
+          <a:xfrm>
+            <a:off x="1411604" y="1680355"/>
+            <a:ext cx="7935432" cy="905001"/>
+          </a:xfrm>
+          <a:prstGeom prst="rect">
+            <a:avLst/>
+          </a:prstGeom>
+        </p:spPr>
+      </p:pic>
     </p:spTree>
     <p:extLst>
       <p:ext uri="{BB962C8B-B14F-4D97-AF65-F5344CB8AC3E}">
@@ -4560,6 +4626,30 @@
           </a:p>
         </p:txBody>
       </p:sp>
+      <p:pic>
+        <p:nvPicPr>
+          <p:cNvPr id="2" name="그림 1"/>
+          <p:cNvPicPr>
+            <a:picLocks noChangeAspect="1"/>
+          </p:cNvPicPr>
+          <p:nvPr/>
+        </p:nvPicPr>
+        <p:blipFill>
+          <a:blip r:embed="rId2"/>
+          <a:stretch>
+            <a:fillRect/>
+          </a:stretch>
+        </p:blipFill>
+        <p:spPr>
+          <a:xfrm>
+            <a:off x="1307468" y="1206275"/>
+            <a:ext cx="8716591" cy="5315692"/>
+          </a:xfrm>
+          <a:prstGeom prst="rect">
+            <a:avLst/>
+          </a:prstGeom>
+        </p:spPr>
+      </p:pic>
     </p:spTree>
     <p:extLst>
       <p:ext uri="{BB962C8B-B14F-4D97-AF65-F5344CB8AC3E}">
@@ -5013,6 +5103,30 @@
           </a:p>
         </p:txBody>
       </p:sp>
+      <p:pic>
+        <p:nvPicPr>
+          <p:cNvPr id="2" name="그림 1"/>
+          <p:cNvPicPr>
+            <a:picLocks noChangeAspect="1"/>
+          </p:cNvPicPr>
+          <p:nvPr/>
+        </p:nvPicPr>
+        <p:blipFill>
+          <a:blip r:embed="rId2"/>
+          <a:stretch>
+            <a:fillRect/>
+          </a:stretch>
+        </p:blipFill>
+        <p:spPr>
+          <a:xfrm>
+            <a:off x="1416420" y="1214760"/>
+            <a:ext cx="8726118" cy="5239481"/>
+          </a:xfrm>
+          <a:prstGeom prst="rect">
+            <a:avLst/>
+          </a:prstGeom>
+        </p:spPr>
+      </p:pic>
     </p:spTree>
     <p:extLst>
       <p:ext uri="{BB962C8B-B14F-4D97-AF65-F5344CB8AC3E}">
@@ -5415,6 +5529,30 @@
           </a:p>
         </p:txBody>
       </p:sp>
+      <p:pic>
+        <p:nvPicPr>
+          <p:cNvPr id="2" name="그림 1"/>
+          <p:cNvPicPr>
+            <a:picLocks noChangeAspect="1"/>
+          </p:cNvPicPr>
+          <p:nvPr/>
+        </p:nvPicPr>
+        <p:blipFill>
+          <a:blip r:embed="rId2"/>
+          <a:stretch>
+            <a:fillRect/>
+          </a:stretch>
+        </p:blipFill>
+        <p:spPr>
+          <a:xfrm>
+            <a:off x="1271464" y="2060848"/>
+            <a:ext cx="7811590" cy="3048425"/>
+          </a:xfrm>
+          <a:prstGeom prst="rect">
+            <a:avLst/>
+          </a:prstGeom>
+        </p:spPr>
+      </p:pic>
     </p:spTree>
     <p:extLst>
       <p:ext uri="{BB962C8B-B14F-4D97-AF65-F5344CB8AC3E}">
@@ -5817,74 +5955,30 @@
           </a:p>
         </p:txBody>
       </p:sp>
-      <p:sp>
-        <p:nvSpPr>
-          <p:cNvPr id="4" name="TextBox 3">
-            <a:extLst>
-              <a:ext uri="{FF2B5EF4-FFF2-40B4-BE49-F238E27FC236}">
-                <a16:creationId xmlns:a16="http://schemas.microsoft.com/office/drawing/2014/main" id="{EE39439A-D501-4D38-98D9-4C0EB0C6DD29}"/>
-              </a:ext>
-            </a:extLst>
-          </p:cNvPr>
-          <p:cNvSpPr txBox="1"/>
+      <p:pic>
+        <p:nvPicPr>
+          <p:cNvPr id="2" name="그림 1"/>
+          <p:cNvPicPr>
+            <a:picLocks noChangeAspect="1"/>
+          </p:cNvPicPr>
           <p:nvPr/>
-        </p:nvSpPr>
+        </p:nvPicPr>
+        <p:blipFill>
+          <a:blip r:embed="rId2"/>
+          <a:stretch>
+            <a:fillRect/>
+          </a:stretch>
+        </p:blipFill>
         <p:spPr>
           <a:xfrm>
-            <a:off x="3251684" y="4077072"/>
-            <a:ext cx="7776864" cy="923330"/>
+            <a:off x="1282045" y="1988840"/>
+            <a:ext cx="8392696" cy="3553321"/>
           </a:xfrm>
           <a:prstGeom prst="rect">
             <a:avLst/>
           </a:prstGeom>
-          <a:noFill/>
         </p:spPr>
-        <p:txBody>
-          <a:bodyPr wrap="square" rtlCol="0">
-            <a:spAutoFit/>
-          </a:bodyPr>
-          <a:lstStyle/>
-          <a:p>
-            <a:r>
-              <a:rPr lang="ko-KR" altLang="en-US" dirty="0">
-                <a:solidFill>
-                  <a:schemeClr val="bg1"/>
-                </a:solidFill>
-              </a:rPr>
-              <a:t>변경 전 회원가입 시 아이디가 중복 되어도 모든 정보를 입력 후 아이디가 중복되어 회원가입이 불가 했던 점을 아이디 및 다른 부분에서도 중복되는 </a:t>
-            </a:r>
-            <a:r>
-              <a:rPr lang="ko-KR" altLang="en-US" dirty="0" smtClean="0">
-                <a:solidFill>
-                  <a:schemeClr val="bg1"/>
-                </a:solidFill>
-              </a:rPr>
-              <a:t>부을 </a:t>
-            </a:r>
-            <a:r>
-              <a:rPr lang="ko-KR" altLang="en-US" dirty="0">
-                <a:solidFill>
-                  <a:schemeClr val="bg1"/>
-                </a:solidFill>
-              </a:rPr>
-              <a:t>체크 하여 만약 회원가입을 원치 않았을 시 회원가입 실패 하게 </a:t>
-            </a:r>
-            <a:r>
-              <a:rPr lang="ko-KR" altLang="en-US" dirty="0" err="1">
-                <a:solidFill>
-                  <a:schemeClr val="bg1"/>
-                </a:solidFill>
-              </a:rPr>
-              <a:t>만듬</a:t>
-            </a:r>
-            <a:endParaRPr lang="ko-KR" altLang="en-US" dirty="0">
-              <a:solidFill>
-                <a:schemeClr val="bg1"/>
-              </a:solidFill>
-            </a:endParaRPr>
-          </a:p>
-        </p:txBody>
-      </p:sp>
+      </p:pic>
     </p:spTree>
     <p:extLst>
       <p:ext uri="{BB962C8B-B14F-4D97-AF65-F5344CB8AC3E}">
@@ -6287,6 +6381,30 @@
           </a:p>
         </p:txBody>
       </p:sp>
+      <p:pic>
+        <p:nvPicPr>
+          <p:cNvPr id="2" name="그림 1"/>
+          <p:cNvPicPr>
+            <a:picLocks noChangeAspect="1"/>
+          </p:cNvPicPr>
+          <p:nvPr/>
+        </p:nvPicPr>
+        <p:blipFill>
+          <a:blip r:embed="rId2"/>
+          <a:stretch>
+            <a:fillRect/>
+          </a:stretch>
+        </p:blipFill>
+        <p:spPr>
+          <a:xfrm>
+            <a:off x="1595500" y="1880828"/>
+            <a:ext cx="7020905" cy="1971950"/>
+          </a:xfrm>
+          <a:prstGeom prst="rect">
+            <a:avLst/>
+          </a:prstGeom>
+        </p:spPr>
+      </p:pic>
     </p:spTree>
     <p:extLst>
       <p:ext uri="{BB962C8B-B14F-4D97-AF65-F5344CB8AC3E}">
@@ -6768,6 +6886,30 @@
           </a:p>
         </p:txBody>
       </p:sp>
+      <p:pic>
+        <p:nvPicPr>
+          <p:cNvPr id="2" name="그림 1"/>
+          <p:cNvPicPr>
+            <a:picLocks noChangeAspect="1"/>
+          </p:cNvPicPr>
+          <p:nvPr/>
+        </p:nvPicPr>
+        <p:blipFill>
+          <a:blip r:embed="rId2"/>
+          <a:stretch>
+            <a:fillRect/>
+          </a:stretch>
+        </p:blipFill>
+        <p:spPr>
+          <a:xfrm>
+            <a:off x="443372" y="325690"/>
+            <a:ext cx="11298227" cy="6249272"/>
+          </a:xfrm>
+          <a:prstGeom prst="rect">
+            <a:avLst/>
+          </a:prstGeom>
+        </p:spPr>
+      </p:pic>
     </p:spTree>
     <p:extLst>
       <p:ext uri="{BB962C8B-B14F-4D97-AF65-F5344CB8AC3E}">
@@ -7786,6 +7928,30 @@
           </a:p>
         </p:txBody>
       </p:sp>
+      <p:pic>
+        <p:nvPicPr>
+          <p:cNvPr id="2" name="그림 1"/>
+          <p:cNvPicPr>
+            <a:picLocks noChangeAspect="1"/>
+          </p:cNvPicPr>
+          <p:nvPr/>
+        </p:nvPicPr>
+        <p:blipFill>
+          <a:blip r:embed="rId2"/>
+          <a:stretch>
+            <a:fillRect/>
+          </a:stretch>
+        </p:blipFill>
+        <p:spPr>
+          <a:xfrm>
+            <a:off x="2847297" y="973987"/>
+            <a:ext cx="5877745" cy="5115639"/>
+          </a:xfrm>
+          <a:prstGeom prst="rect">
+            <a:avLst/>
+          </a:prstGeom>
+        </p:spPr>
+      </p:pic>
     </p:spTree>
     <p:extLst>
       <p:ext uri="{BB962C8B-B14F-4D97-AF65-F5344CB8AC3E}">
@@ -8256,6 +8422,30 @@
           </a:p>
         </p:txBody>
       </p:sp>
+      <p:pic>
+        <p:nvPicPr>
+          <p:cNvPr id="2" name="그림 1"/>
+          <p:cNvPicPr>
+            <a:picLocks noChangeAspect="1"/>
+          </p:cNvPicPr>
+          <p:nvPr/>
+        </p:nvPicPr>
+        <p:blipFill>
+          <a:blip r:embed="rId2"/>
+          <a:stretch>
+            <a:fillRect/>
+          </a:stretch>
+        </p:blipFill>
+        <p:spPr>
+          <a:xfrm>
+            <a:off x="3857312" y="2023866"/>
+            <a:ext cx="4477375" cy="2810267"/>
+          </a:xfrm>
+          <a:prstGeom prst="rect">
+            <a:avLst/>
+          </a:prstGeom>
+        </p:spPr>
+      </p:pic>
     </p:spTree>
     <p:extLst>
       <p:ext uri="{BB962C8B-B14F-4D97-AF65-F5344CB8AC3E}">
@@ -8658,6 +8848,30 @@
           </a:p>
         </p:txBody>
       </p:sp>
+      <p:pic>
+        <p:nvPicPr>
+          <p:cNvPr id="2" name="그림 1"/>
+          <p:cNvPicPr>
+            <a:picLocks noChangeAspect="1"/>
+          </p:cNvPicPr>
+          <p:nvPr/>
+        </p:nvPicPr>
+        <p:blipFill>
+          <a:blip r:embed="rId2"/>
+          <a:stretch>
+            <a:fillRect/>
+          </a:stretch>
+        </p:blipFill>
+        <p:spPr>
+          <a:xfrm>
+            <a:off x="989887" y="1499918"/>
+            <a:ext cx="10212225" cy="3858163"/>
+          </a:xfrm>
+          <a:prstGeom prst="rect">
+            <a:avLst/>
+          </a:prstGeom>
+        </p:spPr>
+      </p:pic>
     </p:spTree>
     <p:extLst>
       <p:ext uri="{BB962C8B-B14F-4D97-AF65-F5344CB8AC3E}">
@@ -13492,7 +13706,7 @@
           <p:nvPr>
             <p:extLst>
               <p:ext uri="{D42A27DB-BD31-4B8C-83A1-F6EECF244321}">
-                <p14:modId xmlns:p14="http://schemas.microsoft.com/office/powerpoint/2010/main" val="3942363006"/>
+                <p14:modId xmlns:p14="http://schemas.microsoft.com/office/powerpoint/2010/main" val="3120431706"/>
               </p:ext>
             </p:extLst>
           </p:nvPr>
@@ -15663,7 +15877,18 @@
                           </a:solidFill>
                           <a:effectLst/>
                         </a:rPr>
-                        <a:t>데이터 시각화 및 그래프화</a:t>
+                        <a:t>데이터 시각화 및 </a:t>
+                      </a:r>
+                      <a:r>
+                        <a:rPr lang="ko-KR" altLang="en-US" sz="1500" i="1" u="none" strike="noStrike" spc="-100" dirty="0" smtClean="0">
+                          <a:solidFill>
+                            <a:schemeClr val="bg2">
+                              <a:lumMod val="25000"/>
+                            </a:schemeClr>
+                          </a:solidFill>
+                          <a:effectLst/>
+                        </a:rPr>
+                        <a:t>그래프화</a:t>
                       </a:r>
                       <a:endParaRPr lang="ko-KR" altLang="en-US" sz="1500" b="0" i="1" u="none" strike="noStrike" spc="-100" dirty="0">
                         <a:solidFill>
@@ -16011,7 +16236,7 @@
                         <a:t>수</a:t>
                       </a:r>
                       <a:r>
-                        <a:rPr lang="en-US" altLang="ko-KR" sz="1500" i="1" u="none" spc="-100" smtClean="0">
+                        <a:rPr lang="en-US" altLang="ko-KR" sz="1500" i="1" u="none" spc="-100" dirty="0" smtClean="0">
                           <a:solidFill>
                             <a:schemeClr val="bg2">
                               <a:lumMod val="25000"/>
@@ -16090,17 +16315,6 @@
                         <a:buFont typeface="Arial" panose="020B0604020202020204" pitchFamily="34" charset="0"/>
                         <a:buNone/>
                       </a:pPr>
-                      <a:r>
-                        <a:rPr lang="en-US" altLang="ko-KR" sz="1500" i="1" u="none" strike="noStrike" spc="-100" dirty="0">
-                          <a:solidFill>
-                            <a:schemeClr val="bg2">
-                              <a:lumMod val="25000"/>
-                            </a:schemeClr>
-                          </a:solidFill>
-                          <a:effectLst/>
-                        </a:rPr>
-                        <a:t>-</a:t>
-                      </a:r>
                       <a:endParaRPr lang="ko-KR" altLang="en-US" sz="1500" b="0" i="1" u="none" strike="noStrike" spc="-100" dirty="0">
                         <a:solidFill>
                           <a:schemeClr val="bg2">
@@ -16172,17 +16386,6 @@
                         <a:buFont typeface="Arial" panose="020B0604020202020204" pitchFamily="34" charset="0"/>
                         <a:buNone/>
                       </a:pPr>
-                      <a:r>
-                        <a:rPr lang="en-US" altLang="ko-KR" sz="1500" i="1" u="none" strike="noStrike" spc="-100" dirty="0">
-                          <a:solidFill>
-                            <a:schemeClr val="bg2">
-                              <a:lumMod val="25000"/>
-                            </a:schemeClr>
-                          </a:solidFill>
-                          <a:effectLst/>
-                        </a:rPr>
-                        <a:t>-</a:t>
-                      </a:r>
                       <a:endParaRPr lang="ko-KR" altLang="en-US" sz="1500" b="0" i="1" u="none" strike="noStrike" spc="-100" dirty="0">
                         <a:solidFill>
                           <a:schemeClr val="bg2">
@@ -18021,6 +18224,30 @@
           </a:p>
         </p:txBody>
       </p:sp>
+      <p:pic>
+        <p:nvPicPr>
+          <p:cNvPr id="7" name="그림 6"/>
+          <p:cNvPicPr>
+            <a:picLocks noChangeAspect="1"/>
+          </p:cNvPicPr>
+          <p:nvPr/>
+        </p:nvPicPr>
+        <p:blipFill>
+          <a:blip r:embed="rId2"/>
+          <a:stretch>
+            <a:fillRect/>
+          </a:stretch>
+        </p:blipFill>
+        <p:spPr>
+          <a:xfrm>
+            <a:off x="1055440" y="1880828"/>
+            <a:ext cx="5172797" cy="2400635"/>
+          </a:xfrm>
+          <a:prstGeom prst="rect">
+            <a:avLst/>
+          </a:prstGeom>
+        </p:spPr>
+      </p:pic>
     </p:spTree>
     <p:extLst>
       <p:ext uri="{BB962C8B-B14F-4D97-AF65-F5344CB8AC3E}">
@@ -18499,6 +18726,30 @@
           </a:p>
         </p:txBody>
       </p:sp>
+      <p:pic>
+        <p:nvPicPr>
+          <p:cNvPr id="4" name="그림 3"/>
+          <p:cNvPicPr>
+            <a:picLocks noChangeAspect="1"/>
+          </p:cNvPicPr>
+          <p:nvPr/>
+        </p:nvPicPr>
+        <p:blipFill>
+          <a:blip r:embed="rId2"/>
+          <a:stretch>
+            <a:fillRect/>
+          </a:stretch>
+        </p:blipFill>
+        <p:spPr>
+          <a:xfrm>
+            <a:off x="939109" y="2039303"/>
+            <a:ext cx="7659169" cy="3448531"/>
+          </a:xfrm>
+          <a:prstGeom prst="rect">
+            <a:avLst/>
+          </a:prstGeom>
+        </p:spPr>
+      </p:pic>
     </p:spTree>
     <p:extLst>
       <p:ext uri="{BB962C8B-B14F-4D97-AF65-F5344CB8AC3E}">
@@ -18903,13 +19154,7 @@
       </p:sp>
       <p:pic>
         <p:nvPicPr>
-          <p:cNvPr id="3" name="그림 2">
-            <a:extLst>
-              <a:ext uri="{FF2B5EF4-FFF2-40B4-BE49-F238E27FC236}">
-                <a16:creationId xmlns:a16="http://schemas.microsoft.com/office/drawing/2014/main" id="{AB102FC8-4F70-48D7-B719-4711202169FA}"/>
-              </a:ext>
-            </a:extLst>
-          </p:cNvPr>
+          <p:cNvPr id="2" name="그림 1"/>
           <p:cNvPicPr>
             <a:picLocks noChangeAspect="1"/>
           </p:cNvPicPr>
@@ -18923,8 +19168,8 @@
         </p:blipFill>
         <p:spPr>
           <a:xfrm>
-            <a:off x="0" y="1021247"/>
-            <a:ext cx="12192000" cy="5829051"/>
+            <a:off x="1919536" y="1484784"/>
+            <a:ext cx="7649643" cy="3943900"/>
           </a:xfrm>
           <a:prstGeom prst="rect">
             <a:avLst/>
